--- a/tmp_client/doc/TMP_EIT_suites/Local_EIT_run_LSV1.pptx
+++ b/tmp_client/doc/TMP_EIT_suites/Local_EIT_run_LSV1.pptx
@@ -272,7 +272,7 @@
               <a:rPr lang="en-US" smtClean="0">
                 <a:latin typeface="Arial"/>
               </a:rPr>
-              <a:t>11/23/2020</a:t>
+              <a:t>1/12/2022</a:t>
             </a:fld>
             <a:endParaRPr lang="en-US" dirty="0">
               <a:latin typeface="Arial"/>
@@ -450,7 +450,7 @@
             <a:fld id="{D348782D-5FE9-438D-A614-AC8A541C0258}" type="datetimeFigureOut">
               <a:rPr lang="en-US" smtClean="0"/>
               <a:pPr/>
-              <a:t>11/23/2020</a:t>
+              <a:t>1/12/2022</a:t>
             </a:fld>
             <a:endParaRPr lang="en-US" dirty="0"/>
           </a:p>
@@ -48484,11 +48484,7 @@
             </a:r>
             <a:r>
               <a:rPr lang="en-US" altLang="zh-CN" sz="1400" dirty="0" smtClean="0"/>
-              <a:t>/radiant/analysis_00_ta_engine.xlsx</a:t>
-            </a:r>
-            <a:r>
-              <a:rPr lang="en-US" altLang="zh-CN" sz="1400" dirty="0" smtClean="0"/>
-              <a:t>’)</a:t>
+              <a:t>/radiant/analysis_00_ta_engine.xlsx’)</a:t>
             </a:r>
           </a:p>
           <a:p>
@@ -48696,7 +48692,7 @@
         <p:spPr>
           <a:xfrm>
             <a:off x="228600" y="819150"/>
-            <a:ext cx="8458200" cy="646331"/>
+            <a:ext cx="8458200" cy="369332"/>
           </a:xfrm>
           <a:prstGeom prst="rect">
             <a:avLst/>
@@ -48709,27 +48705,10 @@
           <a:lstStyle/>
           <a:p>
             <a:r>
-              <a:rPr lang="en-US" altLang="zh-CN" dirty="0" smtClean="0"/>
-              <a:t>1. Currently EIT Case run with ENV/RTF not support </a:t>
+              <a:rPr lang="en-US" altLang="zh-CN" smtClean="0"/>
+              <a:t>NA</a:t>
             </a:r>
-            <a:r>
-              <a:rPr lang="en-US" altLang="zh-CN" dirty="0" err="1" smtClean="0"/>
-              <a:t>Synplify</a:t>
-            </a:r>
-            <a:r>
-              <a:rPr lang="en-US" altLang="zh-CN" dirty="0"/>
-              <a:t> </a:t>
-            </a:r>
-            <a:r>
-              <a:rPr lang="en-US" altLang="zh-CN" dirty="0" smtClean="0"/>
-              <a:t>and simulation flow.</a:t>
-            </a:r>
-          </a:p>
-          <a:p>
-            <a:r>
-              <a:rPr lang="en-US" altLang="zh-CN" dirty="0" smtClean="0"/>
-              <a:t>	-- we will contact with build team to find a solution</a:t>
-            </a:r>
+            <a:endParaRPr lang="en-US" altLang="zh-CN" dirty="0" smtClean="0"/>
           </a:p>
         </p:txBody>
       </p:sp>
@@ -49288,7 +49267,7 @@
         <p:spPr>
           <a:xfrm>
             <a:off x="228600" y="769296"/>
-            <a:ext cx="8153400" cy="3693319"/>
+            <a:ext cx="8153400" cy="3139321"/>
           </a:xfrm>
           <a:prstGeom prst="rect">
             <a:avLst/>
@@ -49383,28 +49362,17 @@
               <a:rPr lang="en-US" altLang="zh-CN" dirty="0">
                 <a:hlinkClick r:id="rId4"/>
               </a:rPr>
-              <a:t>http://linux-d50553/testrail/index.php?/</a:t>
+              <a:t>http://lsh-tmp/testrail/index.php?/</a:t>
             </a:r>
             <a:r>
               <a:rPr lang="en-US" altLang="zh-CN" dirty="0" smtClean="0">
                 <a:hlinkClick r:id="rId4"/>
               </a:rPr>
-              <a:t>plans/view/28871</a:t>
+              <a:t>plans/view/145932</a:t>
             </a:r>
             <a:endParaRPr lang="en-US" altLang="zh-CN" dirty="0" smtClean="0"/>
           </a:p>
           <a:p>
-            <a:pPr marL="285750" indent="-285750">
-              <a:buFont typeface="Arial" pitchFamily="34" charset="0"/>
-              <a:buChar char="•"/>
-            </a:pPr>
-            <a:endParaRPr lang="en-US" altLang="zh-CN" dirty="0" smtClean="0"/>
-          </a:p>
-          <a:p>
-            <a:pPr marL="285750" indent="-285750">
-              <a:buFont typeface="Arial" pitchFamily="34" charset="0"/>
-              <a:buChar char="•"/>
-            </a:pPr>
             <a:endParaRPr lang="en-US" altLang="zh-CN" dirty="0" smtClean="0"/>
           </a:p>
           <a:p>
@@ -49626,7 +49594,7 @@
         <p:spPr>
           <a:xfrm>
             <a:off x="381000" y="742950"/>
-            <a:ext cx="8001000" cy="3970318"/>
+            <a:ext cx="8001000" cy="3724096"/>
           </a:xfrm>
           <a:prstGeom prst="rect">
             <a:avLst/>
@@ -49654,7 +49622,7 @@
             </a:r>
             <a:r>
               <a:rPr lang="en-US" altLang="zh-CN" sz="1600" dirty="0" smtClean="0"/>
-              <a:t>lscc/radiant/1.2</a:t>
+              <a:t>lscc/radiant/3.2</a:t>
             </a:r>
           </a:p>
           <a:p>
@@ -49686,38 +49654,11 @@
             </a:r>
             <a:r>
               <a:rPr lang="en-US" altLang="zh-CN" sz="1600" dirty="0" smtClean="0"/>
-              <a:t>/ng1_1p.96/</a:t>
+              <a:t>/ng3_2.168/</a:t>
             </a:r>
             <a:r>
               <a:rPr lang="en-US" altLang="zh-CN" sz="1600" dirty="0" err="1" smtClean="0"/>
               <a:t>env</a:t>
-            </a:r>
-            <a:endParaRPr lang="en-US" altLang="zh-CN" sz="1600" dirty="0" smtClean="0"/>
-          </a:p>
-          <a:p>
-            <a:r>
-              <a:rPr lang="en-US" altLang="zh-CN" sz="1600" dirty="0" err="1" smtClean="0"/>
-              <a:t>setenv</a:t>
-            </a:r>
-            <a:r>
-              <a:rPr lang="en-US" altLang="zh-CN" sz="1600" dirty="0" smtClean="0"/>
-              <a:t> RTF  </a:t>
-            </a:r>
-            <a:r>
-              <a:rPr lang="en-US" altLang="zh-CN" sz="1600" dirty="0"/>
-              <a:t>/</a:t>
-            </a:r>
-            <a:r>
-              <a:rPr lang="en-US" altLang="zh-CN" sz="1600" dirty="0" smtClean="0"/>
-              <a:t>home/</a:t>
-            </a:r>
-            <a:r>
-              <a:rPr lang="en-US" altLang="zh-CN" sz="1600" dirty="0" err="1" smtClean="0"/>
-              <a:t>rel</a:t>
-            </a:r>
-            <a:r>
-              <a:rPr lang="en-US" altLang="zh-CN" sz="1600" dirty="0" smtClean="0"/>
-              <a:t>/ng1_1p.96/rtf</a:t>
             </a:r>
             <a:endParaRPr lang="en-US" altLang="zh-CN" sz="1600" dirty="0"/>
           </a:p>
@@ -49763,7 +49704,6 @@
               <a:rPr lang="en-US" altLang="zh-CN" dirty="0" smtClean="0"/>
               <a:t>/demo.xlsx </a:t>
             </a:r>
-            <a:endParaRPr lang="en-US" altLang="zh-CN" dirty="0" smtClean="0"/>
           </a:p>
           <a:p>
             <a:r>
@@ -49790,7 +49730,7 @@
             </a:pPr>
             <a:r>
               <a:rPr lang="en-US" altLang="zh-CN" sz="1600" dirty="0" smtClean="0"/>
-              <a:t>*:Just for first time launch</a:t>
+              <a:t>*:Only for first time launch</a:t>
             </a:r>
           </a:p>
           <a:p>
@@ -52464,6 +52404,24 @@
 </file>
 
 <file path=customXml/item1.xml><?xml version="1.0" encoding="utf-8"?>
+<?mso-contentType ?>
+<FormTemplates xmlns="http://schemas.microsoft.com/sharepoint/v3/contenttype/forms">
+  <Display>DocumentLibraryForm</Display>
+  <Edit>DocumentLibraryForm</Edit>
+  <New>DocumentLibraryForm</New>
+</FormTemplates>
+</file>
+
+<file path=customXml/item2.xml><?xml version="1.0" encoding="utf-8"?>
+<p:properties xmlns:p="http://schemas.microsoft.com/office/2006/metadata/properties" xmlns:xsi="http://www.w3.org/2001/XMLSchema-instance">
+  <documentManagement>
+    <Sort_x0020_Order xmlns="122082c5-117c-4716-9a12-4c01b979939c" xsi:nil="true"/>
+    <Date xmlns="122082c5-117c-4716-9a12-4c01b979939c">2013-05-01T07:00:00+00:00</Date>
+  </documentManagement>
+</p:properties>
+</file>
+
+<file path=customXml/item3.xml><?xml version="1.0" encoding="utf-8"?>
 <ct:contentTypeSchema xmlns:ct="http://schemas.microsoft.com/office/2006/metadata/contentType" xmlns:ma="http://schemas.microsoft.com/office/2006/metadata/properties/metaAttributes" ct:_="" ma:_="" ma:contentTypeName="Document" ma:contentTypeID="0x010100D01EE198BA0A2E4181D5D3AB29BD537B" ma:contentTypeVersion="2" ma:contentTypeDescription="Create a new document." ma:contentTypeScope="" ma:versionID="2daa2a37b3772918ca96c73e3883d411">
   <xsd:schema xmlns:xsd="http://www.w3.org/2001/XMLSchema" xmlns:xs="http://www.w3.org/2001/XMLSchema" xmlns:p="http://schemas.microsoft.com/office/2006/metadata/properties" xmlns:ns2="122082c5-117c-4716-9a12-4c01b979939c" targetNamespace="http://schemas.microsoft.com/office/2006/metadata/properties" ma:root="true" ma:fieldsID="edaee47cf64a3631e42f40800399f152" ns2:_="">
     <xsd:import namespace="122082c5-117c-4716-9a12-4c01b979939c"/>
@@ -52597,25 +52555,31 @@
 </ct:contentTypeSchema>
 </file>
 
-<file path=customXml/item2.xml><?xml version="1.0" encoding="utf-8"?>
-<?mso-contentType ?>
-<FormTemplates xmlns="http://schemas.microsoft.com/sharepoint/v3/contenttype/forms">
-  <Display>DocumentLibraryForm</Display>
-  <Edit>DocumentLibraryForm</Edit>
-  <New>DocumentLibraryForm</New>
-</FormTemplates>
+<file path=customXml/itemProps1.xml><?xml version="1.0" encoding="utf-8"?>
+<ds:datastoreItem xmlns:ds="http://schemas.openxmlformats.org/officeDocument/2006/customXml" ds:itemID="{65AD889C-0E51-49CC-B53F-C59FB4C4971C}">
+  <ds:schemaRefs>
+    <ds:schemaRef ds:uri="http://schemas.microsoft.com/sharepoint/v3/contenttype/forms"/>
+  </ds:schemaRefs>
+</ds:datastoreItem>
 </file>
 
-<file path=customXml/item3.xml><?xml version="1.0" encoding="utf-8"?>
-<p:properties xmlns:p="http://schemas.microsoft.com/office/2006/metadata/properties" xmlns:xsi="http://www.w3.org/2001/XMLSchema-instance">
-  <documentManagement>
-    <Sort_x0020_Order xmlns="122082c5-117c-4716-9a12-4c01b979939c" xsi:nil="true"/>
-    <Date xmlns="122082c5-117c-4716-9a12-4c01b979939c">2013-05-01T07:00:00+00:00</Date>
-  </documentManagement>
-</p:properties>
+<file path=customXml/itemProps2.xml><?xml version="1.0" encoding="utf-8"?>
+<ds:datastoreItem xmlns:ds="http://schemas.openxmlformats.org/officeDocument/2006/customXml" ds:itemID="{DE2933CA-2D74-435D-85CF-43FD28D8C2C9}">
+  <ds:schemaRefs>
+    <ds:schemaRef ds:uri="http://schemas.microsoft.com/office/2006/documentManagement/types"/>
+    <ds:schemaRef ds:uri="http://purl.org/dc/terms/"/>
+    <ds:schemaRef ds:uri="http://purl.org/dc/elements/1.1/"/>
+    <ds:schemaRef ds:uri="http://schemas.microsoft.com/office/2006/metadata/properties"/>
+    <ds:schemaRef ds:uri="122082c5-117c-4716-9a12-4c01b979939c"/>
+    <ds:schemaRef ds:uri="http://schemas.openxmlformats.org/package/2006/metadata/core-properties"/>
+    <ds:schemaRef ds:uri="http://schemas.microsoft.com/office/infopath/2007/PartnerControls"/>
+    <ds:schemaRef ds:uri="http://purl.org/dc/dcmitype/"/>
+    <ds:schemaRef ds:uri="http://www.w3.org/XML/1998/namespace"/>
+  </ds:schemaRefs>
+</ds:datastoreItem>
 </file>
 
-<file path=customXml/itemProps1.xml><?xml version="1.0" encoding="utf-8"?>
+<file path=customXml/itemProps3.xml><?xml version="1.0" encoding="utf-8"?>
 <ds:datastoreItem xmlns:ds="http://schemas.openxmlformats.org/officeDocument/2006/customXml" ds:itemID="{0511F9F0-79CE-47CF-8554-8341B307CB60}">
   <ds:schemaRefs>
     <ds:schemaRef ds:uri="http://schemas.microsoft.com/office/2006/metadata/contentType"/>
@@ -52631,28 +52595,4 @@
     <ds:schemaRef ds:uri="http://schemas.microsoft.com/internal/obd"/>
   </ds:schemaRefs>
 </ds:datastoreItem>
-</file>
-
-<file path=customXml/itemProps2.xml><?xml version="1.0" encoding="utf-8"?>
-<ds:datastoreItem xmlns:ds="http://schemas.openxmlformats.org/officeDocument/2006/customXml" ds:itemID="{65AD889C-0E51-49CC-B53F-C59FB4C4971C}">
-  <ds:schemaRefs>
-    <ds:schemaRef ds:uri="http://schemas.microsoft.com/sharepoint/v3/contenttype/forms"/>
-  </ds:schemaRefs>
-</ds:datastoreItem>
-</file>
-
-<file path=customXml/itemProps3.xml><?xml version="1.0" encoding="utf-8"?>
-<ds:datastoreItem xmlns:ds="http://schemas.openxmlformats.org/officeDocument/2006/customXml" ds:itemID="{DE2933CA-2D74-435D-85CF-43FD28D8C2C9}">
-  <ds:schemaRefs>
-    <ds:schemaRef ds:uri="http://schemas.microsoft.com/office/2006/documentManagement/types"/>
-    <ds:schemaRef ds:uri="http://purl.org/dc/terms/"/>
-    <ds:schemaRef ds:uri="http://purl.org/dc/elements/1.1/"/>
-    <ds:schemaRef ds:uri="http://schemas.microsoft.com/office/2006/metadata/properties"/>
-    <ds:schemaRef ds:uri="122082c5-117c-4716-9a12-4c01b979939c"/>
-    <ds:schemaRef ds:uri="http://schemas.openxmlformats.org/package/2006/metadata/core-properties"/>
-    <ds:schemaRef ds:uri="http://schemas.microsoft.com/office/infopath/2007/PartnerControls"/>
-    <ds:schemaRef ds:uri="http://purl.org/dc/dcmitype/"/>
-    <ds:schemaRef ds:uri="http://www.w3.org/XML/1998/namespace"/>
-  </ds:schemaRefs>
-</ds:datastoreItem>
 </file>